--- a/lectures/SECURITY/slides/lecture09.pptx
+++ b/lectures/SECURITY/slides/lecture09.pptx
@@ -836,7 +836,7 @@
           <a:p>
             <a:pPr eaLnBrk="1" hangingPunct="1"/>
             <a:r>
-              <a:rPr lang="en-US" smtClean="0">
+              <a:rPr lang="en-US" dirty="0" smtClean="0">
                 <a:latin typeface="Arial" pitchFamily="34" charset="0"/>
                 <a:cs typeface="Arial" pitchFamily="34" charset="0"/>
               </a:rPr>
@@ -846,47 +846,75 @@
           <a:p>
             <a:pPr eaLnBrk="1" hangingPunct="1"/>
             <a:r>
-              <a:rPr lang="en-US" smtClean="0">
+              <a:rPr lang="en-US" dirty="0" smtClean="0">
                 <a:latin typeface="Arial" pitchFamily="34" charset="0"/>
                 <a:cs typeface="Arial" pitchFamily="34" charset="0"/>
               </a:rPr>
-              <a:t>• Infection mechanism:The means by which a virus spreads, enabling it to replicate. The mechanism is also referred to as the infection vector. </a:t>
-            </a:r>
-          </a:p>
-          <a:p>
-            <a:pPr eaLnBrk="1" hangingPunct="1"/>
-            <a:r>
-              <a:rPr lang="en-US" smtClean="0">
+              <a:t>• Infection </a:t>
+            </a:r>
+            <a:r>
+              <a:rPr lang="en-US" dirty="0" err="1" smtClean="0">
                 <a:latin typeface="Arial" pitchFamily="34" charset="0"/>
                 <a:cs typeface="Arial" pitchFamily="34" charset="0"/>
               </a:rPr>
-              <a:t>• Trigger: event or condition determining when the payload is activated or delivered. </a:t>
-            </a:r>
-          </a:p>
-          <a:p>
-            <a:pPr eaLnBrk="1" hangingPunct="1"/>
-            <a:r>
-              <a:rPr lang="en-US" smtClean="0">
+              <a:t>mechanism:The</a:t>
+            </a:r>
+            <a:r>
+              <a:rPr lang="en-US" dirty="0" smtClean="0">
                 <a:latin typeface="Arial" pitchFamily="34" charset="0"/>
                 <a:cs typeface="Arial" pitchFamily="34" charset="0"/>
               </a:rPr>
-              <a:t>• Payload: What the virus does, besides spreading. The payload may involve damage or may involve benign but noticeable activity. </a:t>
+              <a:t> means by which a virus spreads, enabling it to replicate. The mechanism is also referred to as the infection vector. </a:t>
             </a:r>
           </a:p>
           <a:p>
             <a:pPr eaLnBrk="1" hangingPunct="1"/>
             <a:r>
-              <a:rPr lang="en-US" smtClean="0">
+              <a:rPr lang="en-US" dirty="0" smtClean="0">
                 <a:latin typeface="Arial" pitchFamily="34" charset="0"/>
                 <a:cs typeface="Arial" pitchFamily="34" charset="0"/>
               </a:rPr>
-              <a:t>A virus can be prepended or postpended to an executable program, or it can be embedded in some other fashion. The key to its operation is that the infected program, when invoked, will first execute the virus code and then execute the original code of the program.</a:t>
+              <a:t>• Trigger: event or condition determining when the payload is activated or delivered. </a:t>
             </a:r>
           </a:p>
           <a:p>
             <a:pPr eaLnBrk="1" hangingPunct="1"/>
             <a:r>
-              <a:rPr lang="en-US" smtClean="0">
+              <a:rPr lang="en-US" dirty="0" smtClean="0">
+                <a:latin typeface="Arial" pitchFamily="34" charset="0"/>
+                <a:cs typeface="Arial" pitchFamily="34" charset="0"/>
+              </a:rPr>
+              <a:t>• Payload: What the virus does, besides spreading. The payload may involve damage or may involve benign but noticeable activity. </a:t>
+            </a:r>
+          </a:p>
+          <a:p>
+            <a:pPr eaLnBrk="1" hangingPunct="1"/>
+            <a:r>
+              <a:rPr lang="en-US" dirty="0" smtClean="0">
+                <a:latin typeface="Arial" pitchFamily="34" charset="0"/>
+                <a:cs typeface="Arial" pitchFamily="34" charset="0"/>
+              </a:rPr>
+              <a:t>A virus can be prepended or </a:t>
+            </a:r>
+            <a:r>
+              <a:rPr lang="en-US" dirty="0" err="1" smtClean="0">
+                <a:latin typeface="Arial" pitchFamily="34" charset="0"/>
+                <a:cs typeface="Arial" pitchFamily="34" charset="0"/>
+              </a:rPr>
+              <a:t>postpended</a:t>
+            </a:r>
+            <a:r>
+              <a:rPr lang="en-US" dirty="0" smtClean="0">
+                <a:latin typeface="Arial" pitchFamily="34" charset="0"/>
+                <a:cs typeface="Arial" pitchFamily="34" charset="0"/>
+              </a:rPr>
+              <a:t> to an executable program, or it can be embedded in some other fashion. The key to its operation is that the infected program, when invoked, will first execute the virus code and then execute the original code of the program.</a:t>
+            </a:r>
+          </a:p>
+          <a:p>
+            <a:pPr eaLnBrk="1" hangingPunct="1"/>
+            <a:r>
+              <a:rPr lang="en-US" dirty="0" smtClean="0">
                 <a:latin typeface="Arial" pitchFamily="34" charset="0"/>
                 <a:cs typeface="Arial" pitchFamily="34" charset="0"/>
               </a:rPr>
@@ -985,16 +1013,23 @@
           <a:p>
             <a:pPr eaLnBrk="1" hangingPunct="1"/>
             <a:r>
-              <a:rPr lang="en-US" smtClean="0">
+              <a:rPr lang="en-US" dirty="0" smtClean="0">
                 <a:latin typeface="Arial" pitchFamily="34" charset="0"/>
                 <a:cs typeface="Arial" pitchFamily="34" charset="0"/>
               </a:rPr>
-              <a:t>A very general depiction of virus structure is shown in Figure 21.1. In this case, the virus code, V, is prepended to infected programs, and it is assumed that the entry point to the program, when invoked, is the first line of the program. An infected program begins with the virus code and works as follows. The first line of code is a jump to the main virus program. The second line is a special marker that is used by the virus to determine whether or not a potential victim program has already been infected with this virus. When the program is invoked, control is immediately transferred to the main virus program. The virus program first seeks out uninfected executable files and infects them. Next, the virus may perform some action, usually detrimental to the system. This action could be performed every time the program is invoked, or it could be a logic bomb that triggers only under certain conditions. Finally, the virus transfers control to the original program. If the infection phase of the program is reasonably rapid, a user is unlikely to notice any difference between the execution of an infected and uninfected program.</a:t>
+              <a:t>A very general depiction of virus structure is shown in Figure 21.1. In this case, the virus code, V, is prepended to infected programs, and it is assumed that the entry point to the program, when invoked, is the first line of the program. An infected program begins with the virus code and works as follows. </a:t>
+            </a:r>
+            <a:r>
+              <a:rPr lang="en-US" b="1" dirty="0" smtClean="0">
+                <a:latin typeface="Arial" pitchFamily="34" charset="0"/>
+                <a:cs typeface="Arial" pitchFamily="34" charset="0"/>
+              </a:rPr>
+              <a:t>The first line of code is a jump to the main virus program. The second line is a special marker that is used by the virus to determine whether or not a potential victim program has already been infected with this virus. When the program is invoked, control is immediately transferred to the main virus program. The virus program first seeks out uninfected executable files and infects them. Next, the virus may perform some action, usually detrimental to the system. This action could be performed every time the program is invoked, or it could be a logic bomb that triggers only under certain conditions. Finally, the virus transfers control to the original program. If the infection phase of the program is reasonably rapid, a user is unlikely to notice any difference between the execution of an infected and uninfected program.</a:t>
             </a:r>
           </a:p>
           <a:p>
             <a:pPr eaLnBrk="1" hangingPunct="1"/>
-            <a:endParaRPr lang="en-US" smtClean="0">
+            <a:endParaRPr lang="en-US" dirty="0" smtClean="0">
               <a:latin typeface="Arial" pitchFamily="34" charset="0"/>
               <a:cs typeface="Arial" pitchFamily="34" charset="0"/>
             </a:endParaRPr>
@@ -1091,21 +1126,21 @@
           <a:p>
             <a:pPr eaLnBrk="1" hangingPunct="1"/>
             <a:r>
-              <a:rPr lang="en-US" smtClean="0">
+              <a:rPr lang="en-US" dirty="0" smtClean="0">
                 <a:latin typeface="Arial" pitchFamily="34" charset="0"/>
                 <a:cs typeface="Arial" pitchFamily="34" charset="0"/>
               </a:rPr>
               <a:t>A virus such as the one just described is easily detected because an infected version of a program is longer than the corresponding uninfected one. A way to thwart such a simple means of detecting a virus is to compress the executable file so that both the infected and uninfected versions are of identical length. The code shown from Figure 21.2  shows in general terms the logic required. The key lines in this virus are numbered, and Figure 21.3 illustrates the operation. In this example, the virus does nothing other than propagate. As in the previous example, the virus may include a logic bomb. We assume that program P</a:t>
             </a:r>
             <a:r>
-              <a:rPr lang="en-US" baseline="-25000" smtClean="0">
+              <a:rPr lang="en-US" baseline="-25000" dirty="0" smtClean="0">
                 <a:latin typeface="Arial" pitchFamily="34" charset="0"/>
                 <a:cs typeface="Arial" pitchFamily="34" charset="0"/>
               </a:rPr>
               <a:t>1</a:t>
             </a:r>
             <a:r>
-              <a:rPr lang="en-US" smtClean="0">
+              <a:rPr lang="en-US" dirty="0" smtClean="0">
                 <a:latin typeface="Arial" pitchFamily="34" charset="0"/>
                 <a:cs typeface="Arial" pitchFamily="34" charset="0"/>
               </a:rPr>
@@ -1115,28 +1150,28 @@
           <a:p>
             <a:pPr eaLnBrk="1" hangingPunct="1"/>
             <a:r>
-              <a:rPr lang="en-US" b="1" smtClean="0">
+              <a:rPr lang="en-US" b="1" dirty="0" smtClean="0">
                 <a:latin typeface="Arial" pitchFamily="34" charset="0"/>
                 <a:cs typeface="Arial" pitchFamily="34" charset="0"/>
               </a:rPr>
               <a:t>1.</a:t>
             </a:r>
             <a:r>
-              <a:rPr lang="en-US" smtClean="0">
+              <a:rPr lang="en-US" dirty="0" smtClean="0">
                 <a:latin typeface="Arial" pitchFamily="34" charset="0"/>
                 <a:cs typeface="Arial" pitchFamily="34" charset="0"/>
               </a:rPr>
               <a:t> For each uninfected file P</a:t>
             </a:r>
             <a:r>
-              <a:rPr lang="en-US" baseline="-25000" smtClean="0">
+              <a:rPr lang="en-US" baseline="-25000" dirty="0" smtClean="0">
                 <a:latin typeface="Arial" pitchFamily="34" charset="0"/>
                 <a:cs typeface="Arial" pitchFamily="34" charset="0"/>
               </a:rPr>
               <a:t>2</a:t>
             </a:r>
             <a:r>
-              <a:rPr lang="en-US" smtClean="0">
+              <a:rPr lang="en-US" dirty="0" smtClean="0">
                 <a:latin typeface="Arial" pitchFamily="34" charset="0"/>
                 <a:cs typeface="Arial" pitchFamily="34" charset="0"/>
               </a:rPr>
@@ -1146,14 +1181,14 @@
           <a:p>
             <a:pPr eaLnBrk="1" hangingPunct="1"/>
             <a:r>
-              <a:rPr lang="en-US" b="1" smtClean="0">
+              <a:rPr lang="en-US" b="1" dirty="0" smtClean="0">
                 <a:latin typeface="Arial" pitchFamily="34" charset="0"/>
                 <a:cs typeface="Arial" pitchFamily="34" charset="0"/>
               </a:rPr>
               <a:t>2.</a:t>
             </a:r>
             <a:r>
-              <a:rPr lang="en-US" smtClean="0">
+              <a:rPr lang="en-US" dirty="0" smtClean="0">
                 <a:latin typeface="Arial" pitchFamily="34" charset="0"/>
                 <a:cs typeface="Arial" pitchFamily="34" charset="0"/>
               </a:rPr>
@@ -1163,14 +1198,14 @@
           <a:p>
             <a:pPr eaLnBrk="1" hangingPunct="1"/>
             <a:r>
-              <a:rPr lang="en-US" b="1" smtClean="0">
+              <a:rPr lang="en-US" b="1" dirty="0" smtClean="0">
                 <a:latin typeface="Arial" pitchFamily="34" charset="0"/>
                 <a:cs typeface="Arial" pitchFamily="34" charset="0"/>
               </a:rPr>
               <a:t>3.</a:t>
             </a:r>
             <a:r>
-              <a:rPr lang="en-US" smtClean="0">
+              <a:rPr lang="en-US" dirty="0" smtClean="0">
                 <a:latin typeface="Arial" pitchFamily="34" charset="0"/>
                 <a:cs typeface="Arial" pitchFamily="34" charset="0"/>
               </a:rPr>
@@ -1180,14 +1215,14 @@
           <a:p>
             <a:pPr eaLnBrk="1" hangingPunct="1"/>
             <a:r>
-              <a:rPr lang="en-US" b="1" smtClean="0">
+              <a:rPr lang="en-US" b="1" dirty="0" smtClean="0">
                 <a:latin typeface="Arial" pitchFamily="34" charset="0"/>
                 <a:cs typeface="Arial" pitchFamily="34" charset="0"/>
               </a:rPr>
               <a:t>4.</a:t>
             </a:r>
             <a:r>
-              <a:rPr lang="en-US" smtClean="0">
+              <a:rPr lang="en-US" dirty="0" smtClean="0">
                 <a:latin typeface="Arial" pitchFamily="34" charset="0"/>
                 <a:cs typeface="Arial" pitchFamily="34" charset="0"/>
               </a:rPr>
@@ -1290,7 +1325,7 @@
           <a:p>
             <a:pPr eaLnBrk="1" hangingPunct="1"/>
             <a:r>
-              <a:rPr lang="en-US" smtClean="0">
+              <a:rPr lang="en-US" dirty="0" smtClean="0">
                 <a:latin typeface="Arial" pitchFamily="34" charset="0"/>
                 <a:cs typeface="Arial" pitchFamily="34" charset="0"/>
               </a:rPr>
@@ -1300,77 +1335,119 @@
           <a:p>
             <a:pPr eaLnBrk="1" hangingPunct="1"/>
             <a:r>
-              <a:rPr lang="en-US" smtClean="0">
+              <a:rPr lang="en-US" dirty="0" smtClean="0">
                 <a:latin typeface="Arial" pitchFamily="34" charset="0"/>
                 <a:cs typeface="Arial" pitchFamily="34" charset="0"/>
               </a:rPr>
-              <a:t>• Boot sector infector:Infects a master boot record or boot record and spreads when a system is booted from the disk containing the virus. </a:t>
-            </a:r>
-          </a:p>
-          <a:p>
-            <a:pPr eaLnBrk="1" hangingPunct="1"/>
-            <a:r>
-              <a:rPr lang="en-US" smtClean="0">
+              <a:t>• Boot sector </a:t>
+            </a:r>
+            <a:r>
+              <a:rPr lang="en-US" dirty="0" err="1" smtClean="0">
                 <a:latin typeface="Arial" pitchFamily="34" charset="0"/>
                 <a:cs typeface="Arial" pitchFamily="34" charset="0"/>
               </a:rPr>
-              <a:t>• File infector: Infects files that operating system or shell consider to be executable. </a:t>
-            </a:r>
-          </a:p>
-          <a:p>
-            <a:pPr eaLnBrk="1" hangingPunct="1"/>
-            <a:r>
-              <a:rPr lang="en-US" smtClean="0">
+              <a:t>infector:Infects</a:t>
+            </a:r>
+            <a:r>
+              <a:rPr lang="en-US" dirty="0" smtClean="0">
                 <a:latin typeface="Arial" pitchFamily="34" charset="0"/>
                 <a:cs typeface="Arial" pitchFamily="34" charset="0"/>
               </a:rPr>
-              <a:t>• Macro virus: Infects files with macro code that is interpreted by an application. </a:t>
+              <a:t> a master boot record or boot record and spreads when a system is booted from the disk containing the virus. </a:t>
             </a:r>
           </a:p>
           <a:p>
             <a:pPr eaLnBrk="1" hangingPunct="1"/>
             <a:r>
-              <a:rPr lang="en-US" smtClean="0">
+              <a:rPr lang="en-US" dirty="0" smtClean="0">
                 <a:latin typeface="Arial" pitchFamily="34" charset="0"/>
                 <a:cs typeface="Arial" pitchFamily="34" charset="0"/>
               </a:rPr>
-              <a:t>A virus classification by concealment strategy includes the following categories: </a:t>
+              <a:t>• File infector: Infects files that operating system or shell consider to be executable. </a:t>
             </a:r>
           </a:p>
           <a:p>
             <a:pPr eaLnBrk="1" hangingPunct="1"/>
             <a:r>
-              <a:rPr lang="en-US" smtClean="0">
+              <a:rPr lang="en-US" dirty="0" smtClean="0">
                 <a:latin typeface="Arial" pitchFamily="34" charset="0"/>
                 <a:cs typeface="Arial" pitchFamily="34" charset="0"/>
               </a:rPr>
-              <a:t>• Encrypted virus: the virus creates a random encryption key, stored with the virus, and encrypts the remainder of the virus. When an infected program is invoked, the virus uses the stored random key to decrypt the virus. When the virus replicates, a different random key is selected.</a:t>
+              <a:t>• Macro virus: Infects files with macro code that is interpreted by an application. </a:t>
             </a:r>
           </a:p>
           <a:p>
             <a:pPr eaLnBrk="1" hangingPunct="1"/>
             <a:r>
-              <a:rPr lang="en-US" smtClean="0">
+              <a:rPr lang="en-US" dirty="0" smtClean="0">
                 <a:latin typeface="Arial" pitchFamily="34" charset="0"/>
                 <a:cs typeface="Arial" pitchFamily="34" charset="0"/>
               </a:rPr>
-              <a:t>• Stealth virus: A form of virus explicitly designed to hide itself from detection by antivirus software. Thus,the entire virus, not just a payload is hidden. </a:t>
+              <a:t>A virus classification by concealment strategy includes the following categories: </a:t>
             </a:r>
           </a:p>
           <a:p>
             <a:pPr eaLnBrk="1" hangingPunct="1"/>
             <a:r>
-              <a:rPr lang="en-US" smtClean="0">
+              <a:rPr lang="en-US" dirty="0" smtClean="0">
                 <a:latin typeface="Arial" pitchFamily="34" charset="0"/>
                 <a:cs typeface="Arial" pitchFamily="34" charset="0"/>
               </a:rPr>
-              <a:t>• Polymorphic virus: A virus that mutates with every infection, making detection by the “signature”of the virus impossible. </a:t>
+              <a:t>• Encrypted virus: the virus creates a random encryption key, stored with the virus, and encrypts the remainder of the virus. When an infected program is invoked, the virus uses the stored random key to decrypt the virus. When the virus replicates, a different random key is selected.</a:t>
             </a:r>
           </a:p>
           <a:p>
             <a:pPr eaLnBrk="1" hangingPunct="1"/>
             <a:r>
-              <a:rPr lang="en-US" smtClean="0">
+              <a:rPr lang="en-US" dirty="0" smtClean="0">
+                <a:latin typeface="Arial" pitchFamily="34" charset="0"/>
+                <a:cs typeface="Arial" pitchFamily="34" charset="0"/>
+              </a:rPr>
+              <a:t>• Stealth virus: A form of virus explicitly designed to hide itself from detection by antivirus software. </a:t>
+            </a:r>
+            <a:r>
+              <a:rPr lang="en-US" dirty="0" err="1" smtClean="0">
+                <a:latin typeface="Arial" pitchFamily="34" charset="0"/>
+                <a:cs typeface="Arial" pitchFamily="34" charset="0"/>
+              </a:rPr>
+              <a:t>Thus,the</a:t>
+            </a:r>
+            <a:r>
+              <a:rPr lang="en-US" dirty="0" smtClean="0">
+                <a:latin typeface="Arial" pitchFamily="34" charset="0"/>
+                <a:cs typeface="Arial" pitchFamily="34" charset="0"/>
+              </a:rPr>
+              <a:t> entire virus, not just a payload is hidden. </a:t>
+            </a:r>
+          </a:p>
+          <a:p>
+            <a:pPr eaLnBrk="1" hangingPunct="1"/>
+            <a:r>
+              <a:rPr lang="en-US" dirty="0" smtClean="0">
+                <a:latin typeface="Arial" pitchFamily="34" charset="0"/>
+                <a:cs typeface="Arial" pitchFamily="34" charset="0"/>
+              </a:rPr>
+              <a:t>• Polymorphic virus: A virus that mutates with every infection, making detection by the “</a:t>
+            </a:r>
+            <a:r>
+              <a:rPr lang="en-US" dirty="0" err="1" smtClean="0">
+                <a:latin typeface="Arial" pitchFamily="34" charset="0"/>
+                <a:cs typeface="Arial" pitchFamily="34" charset="0"/>
+              </a:rPr>
+              <a:t>signature”of</a:t>
+            </a:r>
+            <a:r>
+              <a:rPr lang="en-US" dirty="0" smtClean="0">
+                <a:latin typeface="Arial" pitchFamily="34" charset="0"/>
+                <a:cs typeface="Arial" pitchFamily="34" charset="0"/>
+              </a:rPr>
+              <a:t> the virus impossible. </a:t>
+            </a:r>
+          </a:p>
+          <a:p>
+            <a:pPr eaLnBrk="1" hangingPunct="1"/>
+            <a:r>
+              <a:rPr lang="en-US" dirty="0" smtClean="0">
                 <a:latin typeface="Arial" pitchFamily="34" charset="0"/>
                 <a:cs typeface="Arial" pitchFamily="34" charset="0"/>
               </a:rPr>
@@ -1473,7 +1550,7 @@
           <a:p>
             <a:pPr eaLnBrk="1" hangingPunct="1"/>
             <a:r>
-              <a:rPr lang="en-US" smtClean="0">
+              <a:rPr lang="en-US" dirty="0" smtClean="0">
                 <a:latin typeface="Arial" pitchFamily="34" charset="0"/>
                 <a:cs typeface="Arial" pitchFamily="34" charset="0"/>
               </a:rPr>
@@ -1483,14 +1560,14 @@
           <a:p>
             <a:pPr eaLnBrk="1" hangingPunct="1"/>
             <a:r>
-              <a:rPr lang="en-US" b="1" smtClean="0">
+              <a:rPr lang="en-US" b="1" dirty="0" smtClean="0">
                 <a:latin typeface="Arial" pitchFamily="34" charset="0"/>
                 <a:cs typeface="Arial" pitchFamily="34" charset="0"/>
               </a:rPr>
               <a:t>1. </a:t>
             </a:r>
             <a:r>
-              <a:rPr lang="en-US" smtClean="0">
+              <a:rPr lang="en-US" dirty="0" smtClean="0">
                 <a:latin typeface="Arial" pitchFamily="34" charset="0"/>
                 <a:cs typeface="Arial" pitchFamily="34" charset="0"/>
               </a:rPr>
@@ -1500,14 +1577,14 @@
           <a:p>
             <a:pPr eaLnBrk="1" hangingPunct="1"/>
             <a:r>
-              <a:rPr lang="en-US" b="1" smtClean="0">
+              <a:rPr lang="en-US" b="1" dirty="0" smtClean="0">
                 <a:latin typeface="Arial" pitchFamily="34" charset="0"/>
                 <a:cs typeface="Arial" pitchFamily="34" charset="0"/>
               </a:rPr>
               <a:t>2.</a:t>
             </a:r>
             <a:r>
-              <a:rPr lang="en-US" smtClean="0">
+              <a:rPr lang="en-US" dirty="0" smtClean="0">
                 <a:latin typeface="Arial" pitchFamily="34" charset="0"/>
                 <a:cs typeface="Arial" pitchFamily="34" charset="0"/>
               </a:rPr>
@@ -1517,14 +1594,14 @@
           <a:p>
             <a:pPr eaLnBrk="1" hangingPunct="1"/>
             <a:r>
-              <a:rPr lang="en-US" b="1" smtClean="0">
+              <a:rPr lang="en-US" b="1" dirty="0" smtClean="0">
                 <a:latin typeface="Arial" pitchFamily="34" charset="0"/>
                 <a:cs typeface="Arial" pitchFamily="34" charset="0"/>
               </a:rPr>
               <a:t>3.</a:t>
             </a:r>
             <a:r>
-              <a:rPr lang="en-US" smtClean="0">
+              <a:rPr lang="en-US" dirty="0" smtClean="0">
                 <a:latin typeface="Arial" pitchFamily="34" charset="0"/>
                 <a:cs typeface="Arial" pitchFamily="34" charset="0"/>
               </a:rPr>
@@ -1534,7 +1611,7 @@
           <a:p>
             <a:pPr eaLnBrk="1" hangingPunct="1"/>
             <a:r>
-              <a:rPr lang="en-US" smtClean="0">
+              <a:rPr lang="en-US" dirty="0" smtClean="0">
                 <a:latin typeface="Arial" pitchFamily="34" charset="0"/>
                 <a:cs typeface="Arial" pitchFamily="34" charset="0"/>
               </a:rPr>
@@ -1633,7 +1710,7 @@
           <a:p>
             <a:pPr eaLnBrk="1" hangingPunct="1"/>
             <a:r>
-              <a:rPr lang="en-US" smtClean="0">
+              <a:rPr lang="en-US" dirty="0" smtClean="0">
                 <a:latin typeface="Arial" pitchFamily="34" charset="0"/>
                 <a:cs typeface="Arial" pitchFamily="34" charset="0"/>
               </a:rPr>
@@ -1643,7 +1720,7 @@
           <a:p>
             <a:pPr eaLnBrk="1" hangingPunct="1"/>
             <a:r>
-              <a:rPr lang="en-US" smtClean="0">
+              <a:rPr lang="en-US" dirty="0" smtClean="0">
                 <a:latin typeface="Arial" pitchFamily="34" charset="0"/>
                 <a:cs typeface="Arial" pitchFamily="34" charset="0"/>
               </a:rPr>
@@ -1653,7 +1730,7 @@
           <a:p>
             <a:pPr eaLnBrk="1" hangingPunct="1"/>
             <a:r>
-              <a:rPr lang="en-US" smtClean="0">
+              <a:rPr lang="en-US" dirty="0" smtClean="0">
                 <a:latin typeface="Arial" pitchFamily="34" charset="0"/>
                 <a:cs typeface="Arial" pitchFamily="34" charset="0"/>
               </a:rPr>
@@ -1752,7 +1829,7 @@
           <a:p>
             <a:pPr eaLnBrk="1" hangingPunct="1"/>
             <a:r>
-              <a:rPr lang="en-US" smtClean="0">
+              <a:rPr lang="en-US" dirty="0" smtClean="0">
                 <a:latin typeface="Arial" pitchFamily="34" charset="0"/>
                 <a:cs typeface="Arial" pitchFamily="34" charset="0"/>
               </a:rPr>
@@ -1762,21 +1839,21 @@
           <a:p>
             <a:pPr eaLnBrk="1" hangingPunct="1"/>
             <a:r>
-              <a:rPr lang="en-US" smtClean="0">
+              <a:rPr lang="en-US" dirty="0" smtClean="0">
                 <a:latin typeface="Arial" pitchFamily="34" charset="0"/>
                 <a:ea typeface="Times New Roman" pitchFamily="18" charset="0"/>
               </a:rPr>
               <a:t>• </a:t>
             </a:r>
             <a:r>
-              <a:rPr lang="en-US" b="1" smtClean="0">
+              <a:rPr lang="en-US" b="1" dirty="0" smtClean="0">
                 <a:latin typeface="Arial" pitchFamily="34" charset="0"/>
                 <a:cs typeface="Arial" pitchFamily="34" charset="0"/>
               </a:rPr>
               <a:t>Detection:</a:t>
             </a:r>
             <a:r>
-              <a:rPr lang="en-US" smtClean="0">
+              <a:rPr lang="en-US" dirty="0" smtClean="0">
                 <a:latin typeface="Arial" pitchFamily="34" charset="0"/>
                 <a:cs typeface="Arial" pitchFamily="34" charset="0"/>
               </a:rPr>
@@ -1786,21 +1863,21 @@
           <a:p>
             <a:pPr eaLnBrk="1" hangingPunct="1"/>
             <a:r>
-              <a:rPr lang="en-US" smtClean="0">
+              <a:rPr lang="en-US" dirty="0" smtClean="0">
                 <a:latin typeface="Arial" pitchFamily="34" charset="0"/>
                 <a:cs typeface="Times New Roman" pitchFamily="18" charset="0"/>
               </a:rPr>
               <a:t>• </a:t>
             </a:r>
             <a:r>
-              <a:rPr lang="en-US" b="1" smtClean="0">
+              <a:rPr lang="en-US" b="1" dirty="0" smtClean="0">
                 <a:latin typeface="Arial" pitchFamily="34" charset="0"/>
                 <a:cs typeface="Arial" pitchFamily="34" charset="0"/>
               </a:rPr>
               <a:t>Identification:</a:t>
             </a:r>
             <a:r>
-              <a:rPr lang="en-US" smtClean="0">
+              <a:rPr lang="en-US" dirty="0" smtClean="0">
                 <a:latin typeface="Arial" pitchFamily="34" charset="0"/>
                 <a:cs typeface="Arial" pitchFamily="34" charset="0"/>
               </a:rPr>
@@ -1810,21 +1887,21 @@
           <a:p>
             <a:pPr eaLnBrk="1" hangingPunct="1"/>
             <a:r>
-              <a:rPr lang="en-US" smtClean="0">
+              <a:rPr lang="en-US" dirty="0" smtClean="0">
                 <a:latin typeface="Arial" pitchFamily="34" charset="0"/>
                 <a:cs typeface="Times New Roman" pitchFamily="18" charset="0"/>
               </a:rPr>
               <a:t>• </a:t>
             </a:r>
             <a:r>
-              <a:rPr lang="en-US" b="1" smtClean="0">
+              <a:rPr lang="en-US" b="1" dirty="0" smtClean="0">
                 <a:latin typeface="Arial" pitchFamily="34" charset="0"/>
                 <a:cs typeface="Arial" pitchFamily="34" charset="0"/>
               </a:rPr>
               <a:t>Removal:</a:t>
             </a:r>
             <a:r>
-              <a:rPr lang="en-US" smtClean="0">
+              <a:rPr lang="en-US" dirty="0" smtClean="0">
                 <a:latin typeface="Arial" pitchFamily="34" charset="0"/>
                 <a:cs typeface="Arial" pitchFamily="34" charset="0"/>
               </a:rPr>
@@ -1834,7 +1911,7 @@
           <a:p>
             <a:pPr eaLnBrk="1" hangingPunct="1"/>
             <a:r>
-              <a:rPr lang="en-US" smtClean="0">
+              <a:rPr lang="en-US" dirty="0" smtClean="0">
                 <a:latin typeface="Arial" pitchFamily="34" charset="0"/>
                 <a:cs typeface="Arial" pitchFamily="34" charset="0"/>
               </a:rPr>
@@ -1843,7 +1920,7 @@
           </a:p>
           <a:p>
             <a:pPr eaLnBrk="1" hangingPunct="1"/>
-            <a:endParaRPr lang="en-US" smtClean="0">
+            <a:endParaRPr lang="en-US" dirty="0" smtClean="0">
               <a:latin typeface="Arial" pitchFamily="34" charset="0"/>
               <a:cs typeface="Arial" pitchFamily="34" charset="0"/>
             </a:endParaRPr>
@@ -2331,7 +2408,7 @@
           <a:p>
             <a:pPr eaLnBrk="1" hangingPunct="1"/>
             <a:r>
-              <a:rPr lang="en-US" smtClean="0">
+              <a:rPr lang="en-US" dirty="0" smtClean="0">
                 <a:latin typeface="Arial" pitchFamily="34" charset="0"/>
                 <a:cs typeface="Arial" pitchFamily="34" charset="0"/>
               </a:rPr>
@@ -2341,14 +2418,14 @@
           <a:p>
             <a:pPr eaLnBrk="1" hangingPunct="1"/>
             <a:r>
-              <a:rPr lang="en-US" b="1" smtClean="0">
+              <a:rPr lang="en-US" b="1" dirty="0" smtClean="0">
                 <a:latin typeface="Arial" pitchFamily="34" charset="0"/>
                 <a:cs typeface="Arial" pitchFamily="34" charset="0"/>
               </a:rPr>
               <a:t>1.</a:t>
             </a:r>
             <a:r>
-              <a:rPr lang="en-US" smtClean="0">
+              <a:rPr lang="en-US" dirty="0" smtClean="0">
                 <a:latin typeface="Arial" pitchFamily="34" charset="0"/>
                 <a:cs typeface="Arial" pitchFamily="34" charset="0"/>
               </a:rPr>
@@ -2358,14 +2435,14 @@
           <a:p>
             <a:pPr eaLnBrk="1" hangingPunct="1"/>
             <a:r>
-              <a:rPr lang="en-US" b="1" smtClean="0">
+              <a:rPr lang="en-US" b="1" dirty="0" smtClean="0">
                 <a:latin typeface="Arial" pitchFamily="34" charset="0"/>
                 <a:cs typeface="Arial" pitchFamily="34" charset="0"/>
               </a:rPr>
               <a:t>2. </a:t>
             </a:r>
             <a:r>
-              <a:rPr lang="en-US" smtClean="0">
+              <a:rPr lang="en-US" dirty="0" smtClean="0">
                 <a:latin typeface="Arial" pitchFamily="34" charset="0"/>
                 <a:cs typeface="Arial" pitchFamily="34" charset="0"/>
               </a:rPr>
@@ -2375,14 +2452,14 @@
           <a:p>
             <a:pPr eaLnBrk="1" hangingPunct="1"/>
             <a:r>
-              <a:rPr lang="en-US" b="1" smtClean="0">
+              <a:rPr lang="en-US" b="1" dirty="0" smtClean="0">
                 <a:latin typeface="Arial" pitchFamily="34" charset="0"/>
                 <a:cs typeface="Arial" pitchFamily="34" charset="0"/>
               </a:rPr>
               <a:t>3. </a:t>
             </a:r>
             <a:r>
-              <a:rPr lang="en-US" smtClean="0">
+              <a:rPr lang="en-US" dirty="0" smtClean="0">
                 <a:latin typeface="Arial" pitchFamily="34" charset="0"/>
                 <a:cs typeface="Arial" pitchFamily="34" charset="0"/>
               </a:rPr>
@@ -2392,21 +2469,21 @@
           <a:p>
             <a:pPr eaLnBrk="1" hangingPunct="1"/>
             <a:r>
-              <a:rPr lang="en-US" smtClean="0">
+              <a:rPr lang="en-US" dirty="0" smtClean="0">
                 <a:latin typeface="Arial" pitchFamily="34" charset="0"/>
                 <a:cs typeface="Arial" pitchFamily="34" charset="0"/>
               </a:rPr>
               <a:t> </a:t>
             </a:r>
             <a:r>
-              <a:rPr lang="en-US" b="1" smtClean="0">
+              <a:rPr lang="en-US" b="1" dirty="0" smtClean="0">
                 <a:latin typeface="Arial" pitchFamily="34" charset="0"/>
                 <a:cs typeface="Arial" pitchFamily="34" charset="0"/>
               </a:rPr>
               <a:t>4.</a:t>
             </a:r>
             <a:r>
-              <a:rPr lang="en-US" smtClean="0">
+              <a:rPr lang="en-US" dirty="0" smtClean="0">
                 <a:latin typeface="Arial" pitchFamily="34" charset="0"/>
                 <a:cs typeface="Arial" pitchFamily="34" charset="0"/>
               </a:rPr>
@@ -2416,21 +2493,21 @@
           <a:p>
             <a:pPr eaLnBrk="1" hangingPunct="1"/>
             <a:r>
-              <a:rPr lang="en-US" smtClean="0">
+              <a:rPr lang="en-US" dirty="0" smtClean="0">
                 <a:latin typeface="Arial" pitchFamily="34" charset="0"/>
                 <a:cs typeface="Arial" pitchFamily="34" charset="0"/>
               </a:rPr>
               <a:t> </a:t>
             </a:r>
             <a:r>
-              <a:rPr lang="en-US" b="1" smtClean="0">
+              <a:rPr lang="en-US" b="1" dirty="0" smtClean="0">
                 <a:latin typeface="Arial" pitchFamily="34" charset="0"/>
                 <a:cs typeface="Arial" pitchFamily="34" charset="0"/>
               </a:rPr>
               <a:t>5.</a:t>
             </a:r>
             <a:r>
-              <a:rPr lang="en-US" smtClean="0">
+              <a:rPr lang="en-US" dirty="0" smtClean="0">
                 <a:latin typeface="Arial" pitchFamily="34" charset="0"/>
                 <a:cs typeface="Arial" pitchFamily="34" charset="0"/>
               </a:rPr>
@@ -2440,21 +2517,21 @@
           <a:p>
             <a:pPr eaLnBrk="1" hangingPunct="1"/>
             <a:r>
-              <a:rPr lang="en-US" smtClean="0">
+              <a:rPr lang="en-US" dirty="0" smtClean="0">
                 <a:latin typeface="Arial" pitchFamily="34" charset="0"/>
                 <a:cs typeface="Arial" pitchFamily="34" charset="0"/>
               </a:rPr>
               <a:t> </a:t>
             </a:r>
             <a:r>
-              <a:rPr lang="en-US" b="1" smtClean="0">
+              <a:rPr lang="en-US" b="1" dirty="0" smtClean="0">
                 <a:latin typeface="Arial" pitchFamily="34" charset="0"/>
                 <a:cs typeface="Arial" pitchFamily="34" charset="0"/>
               </a:rPr>
               <a:t>6. </a:t>
             </a:r>
             <a:r>
-              <a:rPr lang="en-US" smtClean="0">
+              <a:rPr lang="en-US" dirty="0" smtClean="0">
                 <a:latin typeface="Arial" pitchFamily="34" charset="0"/>
                 <a:cs typeface="Arial" pitchFamily="34" charset="0"/>
               </a:rPr>
@@ -2464,21 +2541,21 @@
           <a:p>
             <a:pPr eaLnBrk="1" hangingPunct="1"/>
             <a:r>
-              <a:rPr lang="en-US" smtClean="0">
+              <a:rPr lang="en-US" dirty="0" smtClean="0">
                 <a:latin typeface="Arial" pitchFamily="34" charset="0"/>
                 <a:cs typeface="Arial" pitchFamily="34" charset="0"/>
               </a:rPr>
               <a:t> </a:t>
             </a:r>
             <a:r>
-              <a:rPr lang="en-US" b="1" smtClean="0">
+              <a:rPr lang="en-US" b="1" dirty="0" smtClean="0">
                 <a:latin typeface="Arial" pitchFamily="34" charset="0"/>
                 <a:cs typeface="Arial" pitchFamily="34" charset="0"/>
               </a:rPr>
               <a:t>7. </a:t>
             </a:r>
             <a:r>
-              <a:rPr lang="en-US" smtClean="0">
+              <a:rPr lang="en-US" dirty="0" smtClean="0">
                 <a:latin typeface="Arial" pitchFamily="34" charset="0"/>
                 <a:cs typeface="Arial" pitchFamily="34" charset="0"/>
               </a:rPr>
@@ -2488,7 +2565,7 @@
           <a:p>
             <a:pPr eaLnBrk="1" hangingPunct="1"/>
             <a:r>
-              <a:rPr lang="en-US" smtClean="0">
+              <a:rPr lang="en-US" dirty="0" smtClean="0">
                 <a:latin typeface="Arial" pitchFamily="34" charset="0"/>
                 <a:cs typeface="Arial" pitchFamily="34" charset="0"/>
               </a:rPr>
@@ -3059,7 +3136,7 @@
           <a:p>
             <a:pPr eaLnBrk="1" hangingPunct="1"/>
             <a:r>
-              <a:rPr lang="en-US" smtClean="0">
+              <a:rPr lang="en-US" dirty="0" smtClean="0">
                 <a:latin typeface="Arial" pitchFamily="34" charset="0"/>
                 <a:cs typeface="Arial" pitchFamily="34" charset="0"/>
               </a:rPr>
@@ -3072,7 +3149,7 @@
               <a:buAutoNum type="arabicPeriod"/>
             </a:pPr>
             <a:r>
-              <a:rPr lang="en-US" smtClean="0">
+              <a:rPr lang="en-US" dirty="0" smtClean="0">
                 <a:latin typeface="Arial" pitchFamily="34" charset="0"/>
                 <a:cs typeface="Arial" pitchFamily="34" charset="0"/>
               </a:rPr>
@@ -3085,7 +3162,7 @@
               <a:buAutoNum type="arabicPeriod"/>
             </a:pPr>
             <a:r>
-              <a:rPr lang="en-US" smtClean="0">
+              <a:rPr lang="en-US" dirty="0" smtClean="0">
                 <a:latin typeface="Arial" pitchFamily="34" charset="0"/>
                 <a:cs typeface="Arial" pitchFamily="34" charset="0"/>
               </a:rPr>
@@ -3098,26 +3175,40 @@
               <a:buAutoNum type="arabicPeriod"/>
             </a:pPr>
             <a:r>
-              <a:rPr lang="en-US" smtClean="0">
+              <a:rPr lang="en-US" dirty="0" smtClean="0">
                 <a:latin typeface="Arial" pitchFamily="34" charset="0"/>
                 <a:cs typeface="Arial" pitchFamily="34" charset="0"/>
               </a:rPr>
-              <a:t>It exploited a trapdoor in the debug option of the remote sendmail process.</a:t>
-            </a:r>
-          </a:p>
-          <a:p>
-            <a:pPr eaLnBrk="1" hangingPunct="1"/>
-            <a:r>
-              <a:rPr lang="en-US" smtClean="0">
+              <a:t>It exploited a trapdoor in the debug option of the remote </a:t>
+            </a:r>
+            <a:r>
+              <a:rPr lang="en-US" dirty="0" err="1" smtClean="0">
                 <a:latin typeface="Arial" pitchFamily="34" charset="0"/>
                 <a:cs typeface="Arial" pitchFamily="34" charset="0"/>
               </a:rPr>
+              <a:t>sendmail</a:t>
+            </a:r>
+            <a:r>
+              <a:rPr lang="en-US" dirty="0" smtClean="0">
+                <a:latin typeface="Arial" pitchFamily="34" charset="0"/>
+                <a:cs typeface="Arial" pitchFamily="34" charset="0"/>
+              </a:rPr>
+              <a:t> process.</a:t>
+            </a:r>
+          </a:p>
+          <a:p>
+            <a:pPr eaLnBrk="1" hangingPunct="1"/>
+            <a:r>
+              <a:rPr lang="en-US" dirty="0" smtClean="0">
+                <a:latin typeface="Arial" pitchFamily="34" charset="0"/>
+                <a:cs typeface="Arial" pitchFamily="34" charset="0"/>
+              </a:rPr>
               <a:t>If any of these attacks succeeded, the worm achieved communication with the operating system command interpreter. It then sent this interpreter a short bootstrap program, issued a command to execute that program, and then logged off. The bootstrap program then called back the parent program and downloaded the remainder of the worm. The new worm was then executed.</a:t>
             </a:r>
           </a:p>
           <a:p>
             <a:pPr eaLnBrk="1" hangingPunct="1"/>
-            <a:endParaRPr lang="en-US" smtClean="0">
+            <a:endParaRPr lang="en-US" dirty="0" smtClean="0">
               <a:latin typeface="Arial" pitchFamily="34" charset="0"/>
               <a:cs typeface="Arial" pitchFamily="34" charset="0"/>
             </a:endParaRPr>
@@ -3214,7 +3305,7 @@
           <a:p>
             <a:pPr eaLnBrk="1" hangingPunct="1"/>
             <a:r>
-              <a:rPr lang="en-US" smtClean="0">
+              <a:rPr lang="en-US" dirty="0" smtClean="0">
                 <a:latin typeface="Arial" pitchFamily="34" charset="0"/>
                 <a:cs typeface="Arial" pitchFamily="34" charset="0"/>
               </a:rPr>
@@ -3223,7 +3314,7 @@
           </a:p>
           <a:p>
             <a:pPr eaLnBrk="1" hangingPunct="1"/>
-            <a:endParaRPr lang="en-US" smtClean="0">
+            <a:endParaRPr lang="en-US" dirty="0" smtClean="0">
               <a:latin typeface="Arial" pitchFamily="34" charset="0"/>
               <a:cs typeface="Arial" pitchFamily="34" charset="0"/>
             </a:endParaRPr>
@@ -3324,7 +3415,7 @@
           <a:p>
             <a:pPr eaLnBrk="1" hangingPunct="1"/>
             <a:r>
-              <a:rPr lang="en-US" smtClean="0">
+              <a:rPr lang="en-US" dirty="0" smtClean="0">
                 <a:latin typeface="Arial" pitchFamily="34" charset="0"/>
                 <a:cs typeface="Arial" pitchFamily="34" charset="0"/>
               </a:rPr>
@@ -3334,39 +3425,80 @@
           <a:p>
             <a:pPr eaLnBrk="1" hangingPunct="1"/>
             <a:r>
-              <a:rPr lang="en-US" smtClean="0">
+              <a:rPr lang="en-US" dirty="0" smtClean="0">
                 <a:latin typeface="Arial" pitchFamily="34" charset="0"/>
                 <a:cs typeface="Arial" pitchFamily="34" charset="0"/>
               </a:rPr>
-              <a:t>In early 2003, the SQL Slammer worm appeared. This worm exploited a buffer overflow vulnerability in Microsoft SQL server. The Slammer was extremely compact and spread rapidly, infecting 90% of vulnerable hosts within 10 minutes. Late 2003 saw the arrival of the Sobig.f worm, which exploited open proxy servers to turn infected machines into spam engines.</a:t>
-            </a:r>
-          </a:p>
-          <a:p>
-            <a:pPr eaLnBrk="1" hangingPunct="1"/>
-            <a:r>
-              <a:rPr lang="en-US" smtClean="0">
+              <a:t>In early 2003, the SQL Slammer worm appeared. This worm exploited a buffer overflow vulnerability in Microsoft SQL server. The Slammer was extremely compact and spread rapidly, infecting 90% of vulnerable hosts within 10 minutes. Late 2003 saw the arrival of the </a:t>
+            </a:r>
+            <a:r>
+              <a:rPr lang="en-US" dirty="0" err="1" smtClean="0">
                 <a:latin typeface="Arial" pitchFamily="34" charset="0"/>
                 <a:cs typeface="Arial" pitchFamily="34" charset="0"/>
               </a:rPr>
-              <a:t>Mydoom is a mass-mailing e-mail worm that appeared in 2004, installing a backdoor in infected computers, thereby enabling hackers to gain remote access to data such as passwords and credit card numbers. Mydoom replicated up to 1000 times/minute and flooded Internet with 100 million infected messages in 36 hours.</a:t>
-            </a:r>
-          </a:p>
-          <a:p>
-            <a:pPr eaLnBrk="1" hangingPunct="1"/>
-            <a:r>
-              <a:rPr lang="en-US" smtClean="0">
+              <a:t>Sobig.f</a:t>
+            </a:r>
+            <a:r>
+              <a:rPr lang="en-US" dirty="0" smtClean="0">
                 <a:latin typeface="Arial" pitchFamily="34" charset="0"/>
                 <a:cs typeface="Arial" pitchFamily="34" charset="0"/>
               </a:rPr>
+              <a:t> worm, which exploited open proxy servers to turn infected machines into spam engines.</a:t>
+            </a:r>
+          </a:p>
+          <a:p>
+            <a:pPr eaLnBrk="1" hangingPunct="1"/>
+            <a:r>
+              <a:rPr lang="en-US" dirty="0" err="1" smtClean="0">
+                <a:latin typeface="Arial" pitchFamily="34" charset="0"/>
+                <a:cs typeface="Arial" pitchFamily="34" charset="0"/>
+              </a:rPr>
+              <a:t>Mydoom</a:t>
+            </a:r>
+            <a:r>
+              <a:rPr lang="en-US" dirty="0" smtClean="0">
+                <a:latin typeface="Arial" pitchFamily="34" charset="0"/>
+                <a:cs typeface="Arial" pitchFamily="34" charset="0"/>
+              </a:rPr>
+              <a:t> is a mass-mailing e-mail worm that appeared in 2004, installing a backdoor in infected computers, thereby enabling hackers to gain remote access to data such as passwords and credit card numbers. </a:t>
+            </a:r>
+            <a:r>
+              <a:rPr lang="en-US" dirty="0" err="1" smtClean="0">
+                <a:latin typeface="Arial" pitchFamily="34" charset="0"/>
+                <a:cs typeface="Arial" pitchFamily="34" charset="0"/>
+              </a:rPr>
+              <a:t>Mydoom</a:t>
+            </a:r>
+            <a:r>
+              <a:rPr lang="en-US" dirty="0" smtClean="0">
+                <a:latin typeface="Arial" pitchFamily="34" charset="0"/>
+                <a:cs typeface="Arial" pitchFamily="34" charset="0"/>
+              </a:rPr>
+              <a:t> replicated up to 1000 times/minute and flooded Internet with 100 million infected messages in 36 hours.</a:t>
+            </a:r>
+          </a:p>
+          <a:p>
+            <a:pPr eaLnBrk="1" hangingPunct="1"/>
+            <a:r>
+              <a:rPr lang="en-US" dirty="0" smtClean="0">
+                <a:latin typeface="Arial" pitchFamily="34" charset="0"/>
+                <a:cs typeface="Arial" pitchFamily="34" charset="0"/>
+              </a:rPr>
               <a:t>Have recently seen the </a:t>
             </a:r>
             <a:r>
-              <a:rPr lang="en-US" smtClean="0">
+              <a:rPr lang="en-US" dirty="0" err="1" smtClean="0">
                 <a:latin typeface="Arial" pitchFamily="34" charset="0"/>
               </a:rPr>
-              <a:t>Warezov family of worms, that scan several types of files for e-mail addresses and sends itself as an e-mail attachment. Some can download other malware.</a:t>
-            </a:r>
-            <a:endParaRPr lang="en-US" smtClean="0">
+              <a:t>Warezov</a:t>
+            </a:r>
+            <a:r>
+              <a:rPr lang="en-US" dirty="0" smtClean="0">
+                <a:latin typeface="Arial" pitchFamily="34" charset="0"/>
+              </a:rPr>
+              <a:t> family of worms, that scan several types of files for e-mail addresses and sends itself as an e-mail attachment. Some can download other malware.</a:t>
+            </a:r>
+            <a:endParaRPr lang="en-US" dirty="0" smtClean="0">
               <a:latin typeface="Arial" pitchFamily="34" charset="0"/>
               <a:cs typeface="Arial" pitchFamily="34" charset="0"/>
             </a:endParaRPr>
@@ -4618,16 +4750,40 @@
           <a:p>
             <a:pPr marL="228600" indent="-228600" eaLnBrk="1" hangingPunct="1"/>
             <a:r>
-              <a:rPr lang="en-US" smtClean="0">
+              <a:rPr lang="en-US" dirty="0" smtClean="0">
                 <a:latin typeface="Arial" pitchFamily="34" charset="0"/>
               </a:rPr>
-              <a:t>A DDoS attack attempts to consume the target’s resources so that it cannot provide service. One way to classify DDoS attacks is in terms of the type of resource that is consumed, either an internal host resource on the target system, or data transmission capacity in the target local network.</a:t>
+              <a:t>A </a:t>
+            </a:r>
+            <a:r>
+              <a:rPr lang="en-US" dirty="0" err="1" smtClean="0">
+                <a:latin typeface="Arial" pitchFamily="34" charset="0"/>
+              </a:rPr>
+              <a:t>DDoS</a:t>
+            </a:r>
+            <a:r>
+              <a:rPr lang="en-US" dirty="0" smtClean="0">
+                <a:latin typeface="Arial" pitchFamily="34" charset="0"/>
+              </a:rPr>
+              <a:t> attack attempts to consume the target’s resources so that it cannot provide service. One way to classify </a:t>
+            </a:r>
+            <a:r>
+              <a:rPr lang="en-US" dirty="0" err="1" smtClean="0">
+                <a:latin typeface="Arial" pitchFamily="34" charset="0"/>
+              </a:rPr>
+              <a:t>DDoS</a:t>
+            </a:r>
+            <a:r>
+              <a:rPr lang="en-US" dirty="0" smtClean="0">
+                <a:latin typeface="Arial" pitchFamily="34" charset="0"/>
+              </a:rPr>
+              <a:t> attacks is in terms of the type of resource that is consumed, either an internal host resource on the target system, or data transmission capacity in the target local network.</a:t>
             </a:r>
           </a:p>
           <a:p>
             <a:pPr marL="228600" indent="-228600" eaLnBrk="1" hangingPunct="1"/>
             <a:r>
-              <a:rPr lang="en-US" smtClean="0">
+              <a:rPr lang="en-US" dirty="0" smtClean="0">
                 <a:latin typeface="Arial" pitchFamily="34" charset="0"/>
               </a:rPr>
               <a:t>Stallings Figure 21.9a shows an example of an internal resource attack - the SYN flood attack. 1. The attacker takes control of multiple hosts over the Internet 2. The slave hosts begin sending TCP/IP SYN (synchronize/initialization) packets, with erroneous return IP address information, to the target 3. For each such packet, the Web server responds with a SYN/ACK (synchronize/acknowledge) packet. The Web server maintains a data structure for each SYN request waiting for a response back and becomes bogged down as more traffic floods in. </a:t>
@@ -4636,12 +4792,12 @@
           <a:p>
             <a:pPr marL="228600" indent="-228600" eaLnBrk="1" hangingPunct="1"/>
             <a:r>
-              <a:rPr lang="en-US" smtClean="0">
+              <a:rPr lang="en-US" dirty="0" smtClean="0">
                 <a:latin typeface="Arial" pitchFamily="34" charset="0"/>
               </a:rPr>
               <a:t>Stallings Figure 21.9b illustrates an example of an attack that consumes data transmission resources. 1. The attacker takes control of multiple hosts over the Internet, instructing them to send ICMP ECHO packets with the target’s spoofed IP address to a group of hosts that act as reflectors  2. Nodes at the bounce site receive multiple spoofed requests and respond by sending echo reply packets to the target site. 3. The target’s router is flooded with packets from the bounce site, leaving no data transmission capacity for legitimate traffic. </a:t>
             </a:r>
-            <a:endParaRPr lang="en-AU" smtClean="0">
+            <a:endParaRPr lang="en-AU" dirty="0" smtClean="0">
               <a:latin typeface="Arial" pitchFamily="34" charset="0"/>
             </a:endParaRPr>
           </a:p>
@@ -5833,7 +5989,7 @@
           <a:p>
             <a:pPr eaLnBrk="1" hangingPunct="1"/>
             <a:r>
-              <a:rPr lang="en-US" smtClean="0">
+              <a:rPr lang="en-US" dirty="0" smtClean="0">
                 <a:latin typeface="Arial" pitchFamily="34" charset="0"/>
                 <a:cs typeface="Arial" pitchFamily="34" charset="0"/>
               </a:rPr>
@@ -5843,21 +5999,21 @@
           <a:p>
             <a:pPr eaLnBrk="1" hangingPunct="1"/>
             <a:r>
-              <a:rPr lang="en-US" smtClean="0">
+              <a:rPr lang="en-US" dirty="0" smtClean="0">
                 <a:latin typeface="Arial" pitchFamily="34" charset="0"/>
                 <a:ea typeface="Times New Roman" pitchFamily="18" charset="0"/>
               </a:rPr>
               <a:t>• </a:t>
             </a:r>
             <a:r>
-              <a:rPr lang="en-US" b="1" smtClean="0">
+              <a:rPr lang="en-US" b="1" dirty="0" smtClean="0">
                 <a:latin typeface="Arial" pitchFamily="34" charset="0"/>
                 <a:cs typeface="Arial" pitchFamily="34" charset="0"/>
               </a:rPr>
               <a:t>Dormant phase:</a:t>
             </a:r>
             <a:r>
-              <a:rPr lang="en-US" smtClean="0">
+              <a:rPr lang="en-US" dirty="0" smtClean="0">
                 <a:latin typeface="Arial" pitchFamily="34" charset="0"/>
                 <a:cs typeface="Arial" pitchFamily="34" charset="0"/>
               </a:rPr>
@@ -5867,21 +6023,21 @@
           <a:p>
             <a:pPr eaLnBrk="1" hangingPunct="1"/>
             <a:r>
-              <a:rPr lang="en-US" smtClean="0">
+              <a:rPr lang="en-US" dirty="0" smtClean="0">
                 <a:latin typeface="Arial" pitchFamily="34" charset="0"/>
                 <a:cs typeface="Times New Roman" pitchFamily="18" charset="0"/>
               </a:rPr>
               <a:t>• </a:t>
             </a:r>
             <a:r>
-              <a:rPr lang="en-US" b="1" smtClean="0">
+              <a:rPr lang="en-US" b="1" dirty="0" smtClean="0">
                 <a:latin typeface="Arial" pitchFamily="34" charset="0"/>
                 <a:cs typeface="Arial" pitchFamily="34" charset="0"/>
               </a:rPr>
               <a:t>Propagation phase: </a:t>
             </a:r>
             <a:r>
-              <a:rPr lang="en-US" smtClean="0">
+              <a:rPr lang="en-US" dirty="0" smtClean="0">
                 <a:latin typeface="Arial" pitchFamily="34" charset="0"/>
                 <a:cs typeface="Arial" pitchFamily="34" charset="0"/>
               </a:rPr>
@@ -5891,21 +6047,21 @@
           <a:p>
             <a:pPr eaLnBrk="1" hangingPunct="1"/>
             <a:r>
-              <a:rPr lang="en-US" smtClean="0">
+              <a:rPr lang="en-US" dirty="0" smtClean="0">
                 <a:latin typeface="Arial" pitchFamily="34" charset="0"/>
                 <a:cs typeface="Times New Roman" pitchFamily="18" charset="0"/>
               </a:rPr>
               <a:t>• </a:t>
             </a:r>
             <a:r>
-              <a:rPr lang="en-US" b="1" smtClean="0">
+              <a:rPr lang="en-US" b="1" dirty="0" smtClean="0">
                 <a:latin typeface="Arial" pitchFamily="34" charset="0"/>
                 <a:cs typeface="Arial" pitchFamily="34" charset="0"/>
               </a:rPr>
               <a:t>Triggering phase:</a:t>
             </a:r>
             <a:r>
-              <a:rPr lang="en-US" smtClean="0">
+              <a:rPr lang="en-US" dirty="0" smtClean="0">
                 <a:latin typeface="Arial" pitchFamily="34" charset="0"/>
                 <a:cs typeface="Arial" pitchFamily="34" charset="0"/>
               </a:rPr>
@@ -5915,21 +6071,21 @@
           <a:p>
             <a:pPr eaLnBrk="1" hangingPunct="1"/>
             <a:r>
-              <a:rPr lang="en-US" smtClean="0">
+              <a:rPr lang="en-US" dirty="0" smtClean="0">
                 <a:latin typeface="Arial" pitchFamily="34" charset="0"/>
                 <a:cs typeface="Times New Roman" pitchFamily="18" charset="0"/>
               </a:rPr>
               <a:t>• </a:t>
             </a:r>
             <a:r>
-              <a:rPr lang="en-US" b="1" smtClean="0">
+              <a:rPr lang="en-US" b="1" dirty="0" smtClean="0">
                 <a:latin typeface="Arial" pitchFamily="34" charset="0"/>
                 <a:cs typeface="Arial" pitchFamily="34" charset="0"/>
               </a:rPr>
               <a:t>Execution phase:</a:t>
             </a:r>
             <a:r>
-              <a:rPr lang="en-US" smtClean="0">
+              <a:rPr lang="en-US" dirty="0" smtClean="0">
                 <a:latin typeface="Arial" pitchFamily="34" charset="0"/>
                 <a:cs typeface="Arial" pitchFamily="34" charset="0"/>
               </a:rPr>
@@ -26543,6 +26699,13 @@
   <p:clrMapOvr>
     <a:masterClrMapping/>
   </p:clrMapOvr>
+  <p:timing>
+    <p:tnLst>
+      <p:par>
+        <p:cTn id="1" dur="indefinite" restart="never" nodeType="tmRoot"/>
+      </p:par>
+    </p:tnLst>
+  </p:timing>
 </p:sld>
 </file>
 
@@ -26738,6 +26901,13 @@
   <p:clrMapOvr>
     <a:masterClrMapping/>
   </p:clrMapOvr>
+  <p:timing>
+    <p:tnLst>
+      <p:par>
+        <p:cTn id="1" dur="indefinite" restart="never" nodeType="tmRoot"/>
+      </p:par>
+    </p:tnLst>
+  </p:timing>
 </p:sld>
 </file>
 
@@ -26822,6 +26992,13 @@
   <p:clrMapOvr>
     <a:masterClrMapping/>
   </p:clrMapOvr>
+  <p:timing>
+    <p:tnLst>
+      <p:par>
+        <p:cTn id="1" dur="indefinite" restart="never" nodeType="tmRoot"/>
+      </p:par>
+    </p:tnLst>
+  </p:timing>
 </p:sld>
 </file>
 
@@ -26943,6 +27120,13 @@
   <p:clrMapOvr>
     <a:masterClrMapping/>
   </p:clrMapOvr>
+  <p:timing>
+    <p:tnLst>
+      <p:par>
+        <p:cTn id="1" dur="indefinite" restart="never" nodeType="tmRoot"/>
+      </p:par>
+    </p:tnLst>
+  </p:timing>
 </p:sld>
 </file>
 
@@ -27102,6 +27286,13 @@
   <p:clrMapOvr>
     <a:masterClrMapping/>
   </p:clrMapOvr>
+  <p:timing>
+    <p:tnLst>
+      <p:par>
+        <p:cTn id="1" dur="indefinite" restart="never" nodeType="tmRoot"/>
+      </p:par>
+    </p:tnLst>
+  </p:timing>
 </p:sld>
 </file>
 
@@ -27287,6 +27478,13 @@
   <p:clrMapOvr>
     <a:masterClrMapping/>
   </p:clrMapOvr>
+  <p:timing>
+    <p:tnLst>
+      <p:par>
+        <p:cTn id="1" dur="indefinite" restart="never" nodeType="tmRoot"/>
+      </p:par>
+    </p:tnLst>
+  </p:timing>
 </p:sld>
 </file>
 
@@ -27355,7 +27553,7 @@
               <a:defRPr/>
             </a:pPr>
             <a:r>
-              <a:rPr lang="en-US">
+              <a:rPr lang="en-US" dirty="0">
                 <a:ea typeface="+mn-ea"/>
               </a:rPr>
               <a:t>more recent development</a:t>
@@ -27368,7 +27566,7 @@
               <a:defRPr/>
             </a:pPr>
             <a:r>
-              <a:rPr lang="en-US">
+              <a:rPr lang="en-US" dirty="0">
                 <a:ea typeface="+mn-ea"/>
               </a:rPr>
               <a:t>e.g. Melissa</a:t>
@@ -27381,7 +27579,7 @@
               <a:defRPr/>
             </a:pPr>
             <a:r>
-              <a:rPr lang="en-US"/>
+              <a:rPr lang="en-US" dirty="0"/>
               <a:t>exploits MS Word macro in attached doc</a:t>
             </a:r>
           </a:p>
@@ -27392,7 +27590,7 @@
               <a:defRPr/>
             </a:pPr>
             <a:r>
-              <a:rPr lang="en-US"/>
+              <a:rPr lang="en-US" dirty="0"/>
               <a:t>if attachment opened, macro activates</a:t>
             </a:r>
           </a:p>
@@ -27403,7 +27601,7 @@
               <a:defRPr/>
             </a:pPr>
             <a:r>
-              <a:rPr lang="en-US"/>
+              <a:rPr lang="en-US" dirty="0"/>
               <a:t>sends email to all on users address list</a:t>
             </a:r>
           </a:p>
@@ -27414,7 +27612,7 @@
               <a:defRPr/>
             </a:pPr>
             <a:r>
-              <a:rPr lang="en-US"/>
+              <a:rPr lang="en-US" dirty="0"/>
               <a:t>and does local damage</a:t>
             </a:r>
           </a:p>
@@ -27425,10 +27623,22 @@
               <a:defRPr/>
             </a:pPr>
             <a:r>
-              <a:rPr lang="en-US">
+              <a:rPr lang="en-US" dirty="0">
                 <a:ea typeface="+mn-ea"/>
               </a:rPr>
-              <a:t>then saw versions triggered reading email</a:t>
+              <a:t>n</a:t>
+            </a:r>
+            <a:r>
+              <a:rPr lang="en-US" dirty="0" smtClean="0">
+                <a:ea typeface="+mn-ea"/>
+              </a:rPr>
+              <a:t>ew versions </a:t>
+            </a:r>
+            <a:r>
+              <a:rPr lang="en-US" dirty="0">
+                <a:ea typeface="+mn-ea"/>
+              </a:rPr>
+              <a:t>triggered reading email</a:t>
             </a:r>
           </a:p>
           <a:p>
@@ -27438,7 +27648,7 @@
               <a:defRPr/>
             </a:pPr>
             <a:r>
-              <a:rPr lang="en-US">
+              <a:rPr lang="en-US" dirty="0">
                 <a:ea typeface="+mn-ea"/>
               </a:rPr>
               <a:t>hence much faster propagation</a:t>
@@ -27451,6 +27661,13 @@
   <p:clrMapOvr>
     <a:masterClrMapping/>
   </p:clrMapOvr>
+  <p:timing>
+    <p:tnLst>
+      <p:par>
+        <p:cTn id="1" dur="indefinite" restart="never" nodeType="tmRoot"/>
+      </p:par>
+    </p:tnLst>
+  </p:timing>
 </p:sld>
 </file>
 
@@ -27561,6 +27778,13 @@
   <p:clrMapOvr>
     <a:masterClrMapping/>
   </p:clrMapOvr>
+  <p:timing>
+    <p:tnLst>
+      <p:par>
+        <p:cTn id="1" dur="indefinite" restart="never" nodeType="tmRoot"/>
+      </p:par>
+    </p:tnLst>
+  </p:timing>
 </p:sld>
 </file>
 
@@ -27749,6 +27973,13 @@
   <p:clrMapOvr>
     <a:masterClrMapping/>
   </p:clrMapOvr>
+  <p:timing>
+    <p:tnLst>
+      <p:par>
+        <p:cTn id="1" dur="indefinite" restart="never" nodeType="tmRoot"/>
+      </p:par>
+    </p:tnLst>
+  </p:timing>
 </p:sld>
 </file>
 
@@ -27913,6 +28144,13 @@
   <p:clrMapOvr>
     <a:masterClrMapping/>
   </p:clrMapOvr>
+  <p:timing>
+    <p:tnLst>
+      <p:par>
+        <p:cTn id="1" dur="indefinite" restart="never" nodeType="tmRoot"/>
+      </p:par>
+    </p:tnLst>
+  </p:timing>
 </p:sld>
 </file>
 
@@ -27997,6 +28235,13 @@
   <p:clrMapOvr>
     <a:masterClrMapping/>
   </p:clrMapOvr>
+  <p:timing>
+    <p:tnLst>
+      <p:par>
+        <p:cTn id="1" dur="indefinite" restart="never" nodeType="tmRoot"/>
+      </p:par>
+    </p:tnLst>
+  </p:timing>
 </p:sld>
 </file>
 
@@ -28155,6 +28400,13 @@
   <p:clrMapOvr>
     <a:masterClrMapping/>
   </p:clrMapOvr>
+  <p:timing>
+    <p:tnLst>
+      <p:par>
+        <p:cTn id="1" dur="indefinite" restart="never" nodeType="tmRoot"/>
+      </p:par>
+    </p:tnLst>
+  </p:timing>
 </p:sld>
 </file>
 
@@ -28239,6 +28491,13 @@
   <p:clrMapOvr>
     <a:masterClrMapping/>
   </p:clrMapOvr>
+  <p:timing>
+    <p:tnLst>
+      <p:par>
+        <p:cTn id="1" dur="indefinite" restart="never" nodeType="tmRoot"/>
+      </p:par>
+    </p:tnLst>
+  </p:timing>
 </p:sld>
 </file>
 
@@ -28368,6 +28627,13 @@
   <p:clrMapOvr>
     <a:masterClrMapping/>
   </p:clrMapOvr>
+  <p:timing>
+    <p:tnLst>
+      <p:par>
+        <p:cTn id="1" dur="indefinite" restart="never" nodeType="tmRoot"/>
+      </p:par>
+    </p:tnLst>
+  </p:timing>
 </p:sld>
 </file>
 
@@ -28556,6 +28822,13 @@
   <p:clrMapOvr>
     <a:masterClrMapping/>
   </p:clrMapOvr>
+  <p:timing>
+    <p:tnLst>
+      <p:par>
+        <p:cTn id="1" dur="indefinite" restart="never" nodeType="tmRoot"/>
+      </p:par>
+    </p:tnLst>
+  </p:timing>
 </p:sld>
 </file>
 
@@ -28645,6 +28918,13 @@
   <p:clrMapOvr>
     <a:masterClrMapping/>
   </p:clrMapOvr>
+  <p:timing>
+    <p:tnLst>
+      <p:par>
+        <p:cTn id="1" dur="indefinite" restart="never" nodeType="tmRoot"/>
+      </p:par>
+    </p:tnLst>
+  </p:timing>
 </p:sld>
 </file>
 
@@ -28839,6 +29119,13 @@
   <p:clrMapOvr>
     <a:masterClrMapping/>
   </p:clrMapOvr>
+  <p:timing>
+    <p:tnLst>
+      <p:par>
+        <p:cTn id="1" dur="indefinite" restart="never" nodeType="tmRoot"/>
+      </p:par>
+    </p:tnLst>
+  </p:timing>
 </p:sld>
 </file>
 
@@ -28998,6 +29285,13 @@
   <p:clrMapOvr>
     <a:masterClrMapping/>
   </p:clrMapOvr>
+  <p:timing>
+    <p:tnLst>
+      <p:par>
+        <p:cTn id="1" dur="indefinite" restart="never" nodeType="tmRoot"/>
+      </p:par>
+    </p:tnLst>
+  </p:timing>
 </p:sld>
 </file>
 
@@ -29174,6 +29468,13 @@
   <p:clrMapOvr>
     <a:masterClrMapping/>
   </p:clrMapOvr>
+  <p:timing>
+    <p:tnLst>
+      <p:par>
+        <p:cTn id="1" dur="indefinite" restart="never" nodeType="tmRoot"/>
+      </p:par>
+    </p:tnLst>
+  </p:timing>
 </p:sld>
 </file>
 
@@ -29386,6 +29687,13 @@
   <p:clrMapOvr>
     <a:masterClrMapping/>
   </p:clrMapOvr>
+  <p:timing>
+    <p:tnLst>
+      <p:par>
+        <p:cTn id="1" dur="indefinite" restart="never" nodeType="tmRoot"/>
+      </p:par>
+    </p:tnLst>
+  </p:timing>
 </p:sld>
 </file>
 
@@ -29475,6 +29783,13 @@
   <p:clrMapOvr>
     <a:masterClrMapping/>
   </p:clrMapOvr>
+  <p:timing>
+    <p:tnLst>
+      <p:par>
+        <p:cTn id="1" dur="indefinite" restart="never" nodeType="tmRoot"/>
+      </p:par>
+    </p:tnLst>
+  </p:timing>
 </p:sld>
 </file>
 
@@ -29564,6 +29879,13 @@
   <p:clrMapOvr>
     <a:masterClrMapping/>
   </p:clrMapOvr>
+  <p:timing>
+    <p:tnLst>
+      <p:par>
+        <p:cTn id="1" dur="indefinite" restart="never" nodeType="tmRoot"/>
+      </p:par>
+    </p:tnLst>
+  </p:timing>
 </p:sld>
 </file>
 
@@ -29645,6 +29967,13 @@
   <p:clrMapOvr>
     <a:masterClrMapping/>
   </p:clrMapOvr>
+  <p:timing>
+    <p:tnLst>
+      <p:par>
+        <p:cTn id="1" dur="indefinite" restart="never" nodeType="tmRoot"/>
+      </p:par>
+    </p:tnLst>
+  </p:timing>
 </p:sld>
 </file>
 
@@ -29763,6 +30092,13 @@
   <p:clrMapOvr>
     <a:masterClrMapping/>
   </p:clrMapOvr>
+  <p:timing>
+    <p:tnLst>
+      <p:par>
+        <p:cTn id="1" dur="indefinite" restart="never" nodeType="tmRoot"/>
+      </p:par>
+    </p:tnLst>
+  </p:timing>
 </p:sld>
 </file>
 
@@ -29844,6 +30180,13 @@
   <p:clrMapOvr>
     <a:masterClrMapping/>
   </p:clrMapOvr>
+  <p:timing>
+    <p:tnLst>
+      <p:par>
+        <p:cTn id="1" dur="indefinite" restart="never" nodeType="tmRoot"/>
+      </p:par>
+    </p:tnLst>
+  </p:timing>
 </p:sld>
 </file>
 
@@ -29944,6 +30287,13 @@
   <p:clrMapOvr>
     <a:masterClrMapping/>
   </p:clrMapOvr>
+  <p:timing>
+    <p:tnLst>
+      <p:par>
+        <p:cTn id="1" dur="indefinite" restart="never" nodeType="tmRoot"/>
+      </p:par>
+    </p:tnLst>
+  </p:timing>
 </p:sld>
 </file>
 
@@ -30077,6 +30427,13 @@
   <p:clrMapOvr>
     <a:masterClrMapping/>
   </p:clrMapOvr>
+  <p:timing>
+    <p:tnLst>
+      <p:par>
+        <p:cTn id="1" dur="indefinite" restart="never" nodeType="tmRoot"/>
+      </p:par>
+    </p:tnLst>
+  </p:timing>
 </p:sld>
 </file>
 
@@ -30264,6 +30621,13 @@
   <p:clrMapOvr>
     <a:masterClrMapping/>
   </p:clrMapOvr>
+  <p:timing>
+    <p:tnLst>
+      <p:par>
+        <p:cTn id="1" dur="indefinite" restart="never" nodeType="tmRoot"/>
+      </p:par>
+    </p:tnLst>
+  </p:timing>
 </p:sld>
 </file>
 
@@ -30375,6 +30739,13 @@
   <p:clrMapOvr>
     <a:masterClrMapping/>
   </p:clrMapOvr>
+  <p:timing>
+    <p:tnLst>
+      <p:par>
+        <p:cTn id="1" dur="indefinite" restart="never" nodeType="tmRoot"/>
+      </p:par>
+    </p:tnLst>
+  </p:timing>
 </p:sld>
 </file>
 
@@ -30507,6 +30878,13 @@
   <p:clrMapOvr>
     <a:masterClrMapping/>
   </p:clrMapOvr>
+  <p:timing>
+    <p:tnLst>
+      <p:par>
+        <p:cTn id="1" dur="indefinite" restart="never" nodeType="tmRoot"/>
+      </p:par>
+    </p:tnLst>
+  </p:timing>
 </p:sld>
 </file>
 
@@ -30629,6 +31007,13 @@
   <p:clrMapOvr>
     <a:masterClrMapping/>
   </p:clrMapOvr>
+  <p:timing>
+    <p:tnLst>
+      <p:par>
+        <p:cTn id="1" dur="indefinite" restart="never" nodeType="tmRoot"/>
+      </p:par>
+    </p:tnLst>
+  </p:timing>
 </p:sld>
 </file>
 
@@ -30781,6 +31166,13 @@
   <p:clrMapOvr>
     <a:masterClrMapping/>
   </p:clrMapOvr>
+  <p:timing>
+    <p:tnLst>
+      <p:par>
+        <p:cTn id="1" dur="indefinite" restart="never" nodeType="tmRoot"/>
+      </p:par>
+    </p:tnLst>
+  </p:timing>
 </p:sld>
 </file>
 
@@ -30949,6 +31341,13 @@
   <p:clrMapOvr>
     <a:masterClrMapping/>
   </p:clrMapOvr>
+  <p:timing>
+    <p:tnLst>
+      <p:par>
+        <p:cTn id="1" dur="indefinite" restart="never" nodeType="tmRoot"/>
+      </p:par>
+    </p:tnLst>
+  </p:timing>
 </p:sld>
 </file>
 
@@ -31161,6 +31560,13 @@
   <p:clrMapOvr>
     <a:masterClrMapping/>
   </p:clrMapOvr>
+  <p:timing>
+    <p:tnLst>
+      <p:par>
+        <p:cTn id="1" dur="indefinite" restart="never" nodeType="tmRoot"/>
+      </p:par>
+    </p:tnLst>
+  </p:timing>
 </p:sld>
 </file>
 
@@ -31355,6 +31761,13 @@
   <p:clrMapOvr>
     <a:masterClrMapping/>
   </p:clrMapOvr>
+  <p:timing>
+    <p:tnLst>
+      <p:par>
+        <p:cTn id="1" dur="indefinite" restart="never" nodeType="tmRoot"/>
+      </p:par>
+    </p:tnLst>
+  </p:timing>
 </p:sld>
 </file>
 
